--- a/images/theory_analysis/AMQP/AMQP.pptx
+++ b/images/theory_analysis/AMQP/AMQP.pptx
@@ -5,10 +5,14 @@
     <p:sldMasterId id="2147483648" r:id="rId1"/>
   </p:sldMasterIdLst>
   <p:notesMasterIdLst>
-    <p:notesMasterId r:id="rId3"/>
+    <p:notesMasterId r:id="rId7"/>
   </p:notesMasterIdLst>
   <p:sldIdLst>
     <p:sldId id="417" r:id="rId2"/>
+    <p:sldId id="418" r:id="rId3"/>
+    <p:sldId id="419" r:id="rId4"/>
+    <p:sldId id="420" r:id="rId5"/>
+    <p:sldId id="421" r:id="rId6"/>
   </p:sldIdLst>
   <p:sldSz cx="9144000" cy="5143500" type="screen16x9"/>
   <p:notesSz cx="6858000" cy="9144000"/>
@@ -571,6 +575,406 @@
     <p:extLst>
       <p:ext uri="{BB962C8B-B14F-4D97-AF65-F5344CB8AC3E}">
         <p14:creationId xmlns:p14="http://schemas.microsoft.com/office/powerpoint/2010/main" val="2887953239"/>
+      </p:ext>
+    </p:extLst>
+  </p:cSld>
+  <p:clrMapOvr>
+    <a:masterClrMapping/>
+  </p:clrMapOvr>
+</p:notes>
+</file>
+
+<file path=ppt/notesSlides/notesSlide2.xml><?xml version="1.0" encoding="utf-8"?>
+<p:notes xmlns:a="http://schemas.openxmlformats.org/drawingml/2006/main" xmlns:r="http://schemas.openxmlformats.org/officeDocument/2006/relationships" xmlns:p="http://schemas.openxmlformats.org/presentationml/2006/main">
+  <p:cSld>
+    <p:spTree>
+      <p:nvGrpSpPr>
+        <p:cNvPr id="1" name=""/>
+        <p:cNvGrpSpPr/>
+        <p:nvPr/>
+      </p:nvGrpSpPr>
+      <p:grpSpPr>
+        <a:xfrm>
+          <a:off x="0" y="0"/>
+          <a:ext cx="0" cy="0"/>
+          <a:chOff x="0" y="0"/>
+          <a:chExt cx="0" cy="0"/>
+        </a:xfrm>
+      </p:grpSpPr>
+      <p:sp>
+        <p:nvSpPr>
+          <p:cNvPr id="2" name="슬라이드 이미지 개체 틀 1"/>
+          <p:cNvSpPr>
+            <a:spLocks noGrp="1" noRot="1" noChangeAspect="1"/>
+          </p:cNvSpPr>
+          <p:nvPr>
+            <p:ph type="sldImg"/>
+          </p:nvPr>
+        </p:nvSpPr>
+        <p:spPr/>
+      </p:sp>
+      <p:sp>
+        <p:nvSpPr>
+          <p:cNvPr id="3" name="슬라이드 노트 개체 틀 2"/>
+          <p:cNvSpPr>
+            <a:spLocks noGrp="1"/>
+          </p:cNvSpPr>
+          <p:nvPr>
+            <p:ph type="body" idx="1"/>
+          </p:nvPr>
+        </p:nvSpPr>
+        <p:spPr/>
+        <p:txBody>
+          <a:bodyPr/>
+          <a:lstStyle/>
+          <a:p>
+            <a:r>
+              <a:rPr lang="en-US" altLang="ko-KR" dirty="0"/>
+              <a:t>1. </a:t>
+            </a:r>
+            <a:r>
+              <a:rPr lang="en-US" altLang="ko-KR" dirty="0" err="1"/>
+              <a:t>AppArmor</a:t>
+            </a:r>
+            <a:r>
+              <a:rPr lang="en-US" altLang="ko-KR" baseline="0" dirty="0"/>
+              <a:t> </a:t>
+            </a:r>
+            <a:r>
+              <a:rPr lang="ko-KR" altLang="en-US" baseline="0" dirty="0"/>
+              <a:t>변경 권한</a:t>
+            </a:r>
+            <a:endParaRPr lang="ko-KR" altLang="en-US" dirty="0"/>
+          </a:p>
+        </p:txBody>
+      </p:sp>
+      <p:sp>
+        <p:nvSpPr>
+          <p:cNvPr id="4" name="슬라이드 번호 개체 틀 3"/>
+          <p:cNvSpPr>
+            <a:spLocks noGrp="1"/>
+          </p:cNvSpPr>
+          <p:nvPr>
+            <p:ph type="sldNum" sz="quarter" idx="10"/>
+          </p:nvPr>
+        </p:nvSpPr>
+        <p:spPr/>
+        <p:txBody>
+          <a:bodyPr/>
+          <a:lstStyle/>
+          <a:p>
+            <a:fld id="{BA5DFA43-8D57-47FB-BC46-057616015C3B}" type="slidenum">
+              <a:rPr lang="ko-KR" altLang="en-US" smtClean="0"/>
+              <a:t>2</a:t>
+            </a:fld>
+            <a:endParaRPr lang="ko-KR" altLang="en-US"/>
+          </a:p>
+        </p:txBody>
+      </p:sp>
+    </p:spTree>
+    <p:extLst>
+      <p:ext uri="{BB962C8B-B14F-4D97-AF65-F5344CB8AC3E}">
+        <p14:creationId xmlns:p14="http://schemas.microsoft.com/office/powerpoint/2010/main" val="1387041608"/>
+      </p:ext>
+    </p:extLst>
+  </p:cSld>
+  <p:clrMapOvr>
+    <a:masterClrMapping/>
+  </p:clrMapOvr>
+</p:notes>
+</file>
+
+<file path=ppt/notesSlides/notesSlide3.xml><?xml version="1.0" encoding="utf-8"?>
+<p:notes xmlns:a="http://schemas.openxmlformats.org/drawingml/2006/main" xmlns:r="http://schemas.openxmlformats.org/officeDocument/2006/relationships" xmlns:p="http://schemas.openxmlformats.org/presentationml/2006/main">
+  <p:cSld>
+    <p:spTree>
+      <p:nvGrpSpPr>
+        <p:cNvPr id="1" name=""/>
+        <p:cNvGrpSpPr/>
+        <p:nvPr/>
+      </p:nvGrpSpPr>
+      <p:grpSpPr>
+        <a:xfrm>
+          <a:off x="0" y="0"/>
+          <a:ext cx="0" cy="0"/>
+          <a:chOff x="0" y="0"/>
+          <a:chExt cx="0" cy="0"/>
+        </a:xfrm>
+      </p:grpSpPr>
+      <p:sp>
+        <p:nvSpPr>
+          <p:cNvPr id="2" name="슬라이드 이미지 개체 틀 1"/>
+          <p:cNvSpPr>
+            <a:spLocks noGrp="1" noRot="1" noChangeAspect="1"/>
+          </p:cNvSpPr>
+          <p:nvPr>
+            <p:ph type="sldImg"/>
+          </p:nvPr>
+        </p:nvSpPr>
+        <p:spPr/>
+      </p:sp>
+      <p:sp>
+        <p:nvSpPr>
+          <p:cNvPr id="3" name="슬라이드 노트 개체 틀 2"/>
+          <p:cNvSpPr>
+            <a:spLocks noGrp="1"/>
+          </p:cNvSpPr>
+          <p:nvPr>
+            <p:ph type="body" idx="1"/>
+          </p:nvPr>
+        </p:nvSpPr>
+        <p:spPr/>
+        <p:txBody>
+          <a:bodyPr/>
+          <a:lstStyle/>
+          <a:p>
+            <a:r>
+              <a:rPr lang="en-US" altLang="ko-KR" dirty="0"/>
+              <a:t>1. </a:t>
+            </a:r>
+            <a:r>
+              <a:rPr lang="en-US" altLang="ko-KR" dirty="0" err="1"/>
+              <a:t>AppArmor</a:t>
+            </a:r>
+            <a:r>
+              <a:rPr lang="en-US" altLang="ko-KR" baseline="0" dirty="0"/>
+              <a:t> </a:t>
+            </a:r>
+            <a:r>
+              <a:rPr lang="ko-KR" altLang="en-US" baseline="0" dirty="0"/>
+              <a:t>변경 권한</a:t>
+            </a:r>
+            <a:endParaRPr lang="ko-KR" altLang="en-US" dirty="0"/>
+          </a:p>
+        </p:txBody>
+      </p:sp>
+      <p:sp>
+        <p:nvSpPr>
+          <p:cNvPr id="4" name="슬라이드 번호 개체 틀 3"/>
+          <p:cNvSpPr>
+            <a:spLocks noGrp="1"/>
+          </p:cNvSpPr>
+          <p:nvPr>
+            <p:ph type="sldNum" sz="quarter" idx="10"/>
+          </p:nvPr>
+        </p:nvSpPr>
+        <p:spPr/>
+        <p:txBody>
+          <a:bodyPr/>
+          <a:lstStyle/>
+          <a:p>
+            <a:fld id="{BA5DFA43-8D57-47FB-BC46-057616015C3B}" type="slidenum">
+              <a:rPr lang="ko-KR" altLang="en-US" smtClean="0"/>
+              <a:t>3</a:t>
+            </a:fld>
+            <a:endParaRPr lang="ko-KR" altLang="en-US"/>
+          </a:p>
+        </p:txBody>
+      </p:sp>
+    </p:spTree>
+    <p:extLst>
+      <p:ext uri="{BB962C8B-B14F-4D97-AF65-F5344CB8AC3E}">
+        <p14:creationId xmlns:p14="http://schemas.microsoft.com/office/powerpoint/2010/main" val="2243999130"/>
+      </p:ext>
+    </p:extLst>
+  </p:cSld>
+  <p:clrMapOvr>
+    <a:masterClrMapping/>
+  </p:clrMapOvr>
+</p:notes>
+</file>
+
+<file path=ppt/notesSlides/notesSlide4.xml><?xml version="1.0" encoding="utf-8"?>
+<p:notes xmlns:a="http://schemas.openxmlformats.org/drawingml/2006/main" xmlns:r="http://schemas.openxmlformats.org/officeDocument/2006/relationships" xmlns:p="http://schemas.openxmlformats.org/presentationml/2006/main">
+  <p:cSld>
+    <p:spTree>
+      <p:nvGrpSpPr>
+        <p:cNvPr id="1" name=""/>
+        <p:cNvGrpSpPr/>
+        <p:nvPr/>
+      </p:nvGrpSpPr>
+      <p:grpSpPr>
+        <a:xfrm>
+          <a:off x="0" y="0"/>
+          <a:ext cx="0" cy="0"/>
+          <a:chOff x="0" y="0"/>
+          <a:chExt cx="0" cy="0"/>
+        </a:xfrm>
+      </p:grpSpPr>
+      <p:sp>
+        <p:nvSpPr>
+          <p:cNvPr id="2" name="슬라이드 이미지 개체 틀 1"/>
+          <p:cNvSpPr>
+            <a:spLocks noGrp="1" noRot="1" noChangeAspect="1"/>
+          </p:cNvSpPr>
+          <p:nvPr>
+            <p:ph type="sldImg"/>
+          </p:nvPr>
+        </p:nvSpPr>
+        <p:spPr/>
+      </p:sp>
+      <p:sp>
+        <p:nvSpPr>
+          <p:cNvPr id="3" name="슬라이드 노트 개체 틀 2"/>
+          <p:cNvSpPr>
+            <a:spLocks noGrp="1"/>
+          </p:cNvSpPr>
+          <p:nvPr>
+            <p:ph type="body" idx="1"/>
+          </p:nvPr>
+        </p:nvSpPr>
+        <p:spPr/>
+        <p:txBody>
+          <a:bodyPr/>
+          <a:lstStyle/>
+          <a:p>
+            <a:r>
+              <a:rPr lang="en-US" altLang="ko-KR" dirty="0"/>
+              <a:t>1. </a:t>
+            </a:r>
+            <a:r>
+              <a:rPr lang="en-US" altLang="ko-KR" dirty="0" err="1"/>
+              <a:t>AppArmor</a:t>
+            </a:r>
+            <a:r>
+              <a:rPr lang="en-US" altLang="ko-KR" baseline="0" dirty="0"/>
+              <a:t> </a:t>
+            </a:r>
+            <a:r>
+              <a:rPr lang="ko-KR" altLang="en-US" baseline="0" dirty="0"/>
+              <a:t>변경 권한</a:t>
+            </a:r>
+            <a:endParaRPr lang="ko-KR" altLang="en-US" dirty="0"/>
+          </a:p>
+        </p:txBody>
+      </p:sp>
+      <p:sp>
+        <p:nvSpPr>
+          <p:cNvPr id="4" name="슬라이드 번호 개체 틀 3"/>
+          <p:cNvSpPr>
+            <a:spLocks noGrp="1"/>
+          </p:cNvSpPr>
+          <p:nvPr>
+            <p:ph type="sldNum" sz="quarter" idx="10"/>
+          </p:nvPr>
+        </p:nvSpPr>
+        <p:spPr/>
+        <p:txBody>
+          <a:bodyPr/>
+          <a:lstStyle/>
+          <a:p>
+            <a:fld id="{BA5DFA43-8D57-47FB-BC46-057616015C3B}" type="slidenum">
+              <a:rPr lang="ko-KR" altLang="en-US" smtClean="0"/>
+              <a:t>4</a:t>
+            </a:fld>
+            <a:endParaRPr lang="ko-KR" altLang="en-US"/>
+          </a:p>
+        </p:txBody>
+      </p:sp>
+    </p:spTree>
+    <p:extLst>
+      <p:ext uri="{BB962C8B-B14F-4D97-AF65-F5344CB8AC3E}">
+        <p14:creationId xmlns:p14="http://schemas.microsoft.com/office/powerpoint/2010/main" val="1290690892"/>
+      </p:ext>
+    </p:extLst>
+  </p:cSld>
+  <p:clrMapOvr>
+    <a:masterClrMapping/>
+  </p:clrMapOvr>
+</p:notes>
+</file>
+
+<file path=ppt/notesSlides/notesSlide5.xml><?xml version="1.0" encoding="utf-8"?>
+<p:notes xmlns:a="http://schemas.openxmlformats.org/drawingml/2006/main" xmlns:r="http://schemas.openxmlformats.org/officeDocument/2006/relationships" xmlns:p="http://schemas.openxmlformats.org/presentationml/2006/main">
+  <p:cSld>
+    <p:spTree>
+      <p:nvGrpSpPr>
+        <p:cNvPr id="1" name=""/>
+        <p:cNvGrpSpPr/>
+        <p:nvPr/>
+      </p:nvGrpSpPr>
+      <p:grpSpPr>
+        <a:xfrm>
+          <a:off x="0" y="0"/>
+          <a:ext cx="0" cy="0"/>
+          <a:chOff x="0" y="0"/>
+          <a:chExt cx="0" cy="0"/>
+        </a:xfrm>
+      </p:grpSpPr>
+      <p:sp>
+        <p:nvSpPr>
+          <p:cNvPr id="2" name="슬라이드 이미지 개체 틀 1"/>
+          <p:cNvSpPr>
+            <a:spLocks noGrp="1" noRot="1" noChangeAspect="1"/>
+          </p:cNvSpPr>
+          <p:nvPr>
+            <p:ph type="sldImg"/>
+          </p:nvPr>
+        </p:nvSpPr>
+        <p:spPr/>
+      </p:sp>
+      <p:sp>
+        <p:nvSpPr>
+          <p:cNvPr id="3" name="슬라이드 노트 개체 틀 2"/>
+          <p:cNvSpPr>
+            <a:spLocks noGrp="1"/>
+          </p:cNvSpPr>
+          <p:nvPr>
+            <p:ph type="body" idx="1"/>
+          </p:nvPr>
+        </p:nvSpPr>
+        <p:spPr/>
+        <p:txBody>
+          <a:bodyPr/>
+          <a:lstStyle/>
+          <a:p>
+            <a:r>
+              <a:rPr lang="en-US" altLang="ko-KR" dirty="0"/>
+              <a:t>1. </a:t>
+            </a:r>
+            <a:r>
+              <a:rPr lang="en-US" altLang="ko-KR" dirty="0" err="1"/>
+              <a:t>AppArmor</a:t>
+            </a:r>
+            <a:r>
+              <a:rPr lang="en-US" altLang="ko-KR" baseline="0" dirty="0"/>
+              <a:t> </a:t>
+            </a:r>
+            <a:r>
+              <a:rPr lang="ko-KR" altLang="en-US" baseline="0" dirty="0"/>
+              <a:t>변경 권한</a:t>
+            </a:r>
+            <a:endParaRPr lang="ko-KR" altLang="en-US" dirty="0"/>
+          </a:p>
+        </p:txBody>
+      </p:sp>
+      <p:sp>
+        <p:nvSpPr>
+          <p:cNvPr id="4" name="슬라이드 번호 개체 틀 3"/>
+          <p:cNvSpPr>
+            <a:spLocks noGrp="1"/>
+          </p:cNvSpPr>
+          <p:nvPr>
+            <p:ph type="sldNum" sz="quarter" idx="10"/>
+          </p:nvPr>
+        </p:nvSpPr>
+        <p:spPr/>
+        <p:txBody>
+          <a:bodyPr/>
+          <a:lstStyle/>
+          <a:p>
+            <a:fld id="{BA5DFA43-8D57-47FB-BC46-057616015C3B}" type="slidenum">
+              <a:rPr lang="ko-KR" altLang="en-US" smtClean="0"/>
+              <a:t>5</a:t>
+            </a:fld>
+            <a:endParaRPr lang="ko-KR" altLang="en-US"/>
+          </a:p>
+        </p:txBody>
+      </p:sp>
+    </p:spTree>
+    <p:extLst>
+      <p:ext uri="{BB962C8B-B14F-4D97-AF65-F5344CB8AC3E}">
+        <p14:creationId xmlns:p14="http://schemas.microsoft.com/office/powerpoint/2010/main" val="4017809536"/>
       </p:ext>
     </p:extLst>
   </p:cSld>
@@ -4357,6 +4761,2049 @@
     <p:extLst>
       <p:ext uri="{BB962C8B-B14F-4D97-AF65-F5344CB8AC3E}">
         <p14:creationId xmlns:p14="http://schemas.microsoft.com/office/powerpoint/2010/main" val="2699234921"/>
+      </p:ext>
+    </p:extLst>
+  </p:cSld>
+  <p:clrMapOvr>
+    <a:masterClrMapping/>
+  </p:clrMapOvr>
+</p:sld>
+</file>
+
+<file path=ppt/slides/slide2.xml><?xml version="1.0" encoding="utf-8"?>
+<p:sld xmlns:a="http://schemas.openxmlformats.org/drawingml/2006/main" xmlns:r="http://schemas.openxmlformats.org/officeDocument/2006/relationships" xmlns:p="http://schemas.openxmlformats.org/presentationml/2006/main">
+  <p:cSld>
+    <p:spTree>
+      <p:nvGrpSpPr>
+        <p:cNvPr id="1" name=""/>
+        <p:cNvGrpSpPr/>
+        <p:nvPr/>
+      </p:nvGrpSpPr>
+      <p:grpSpPr>
+        <a:xfrm>
+          <a:off x="0" y="0"/>
+          <a:ext cx="0" cy="0"/>
+          <a:chOff x="0" y="0"/>
+          <a:chExt cx="0" cy="0"/>
+        </a:xfrm>
+      </p:grpSpPr>
+      <p:sp>
+        <p:nvSpPr>
+          <p:cNvPr id="6" name="제목 1"/>
+          <p:cNvSpPr>
+            <a:spLocks noGrp="1"/>
+          </p:cNvSpPr>
+          <p:nvPr>
+            <p:ph type="title"/>
+          </p:nvPr>
+        </p:nvSpPr>
+        <p:spPr>
+          <a:xfrm>
+            <a:off x="457200" y="-20538"/>
+            <a:ext cx="8229600" cy="857250"/>
+          </a:xfrm>
+        </p:spPr>
+        <p:txBody>
+          <a:bodyPr>
+            <a:normAutofit/>
+          </a:bodyPr>
+          <a:lstStyle/>
+          <a:p>
+            <a:r>
+              <a:rPr lang="en-US" altLang="ko-KR"/>
+              <a:t>AMQP Direct Exchange</a:t>
+            </a:r>
+            <a:endParaRPr lang="ko-KR" altLang="en-US" dirty="0"/>
+          </a:p>
+        </p:txBody>
+      </p:sp>
+      <p:sp>
+        <p:nvSpPr>
+          <p:cNvPr id="11" name="모서리가 둥근 직사각형 10"/>
+          <p:cNvSpPr/>
+          <p:nvPr/>
+        </p:nvSpPr>
+        <p:spPr>
+          <a:xfrm>
+            <a:off x="1835696" y="2392599"/>
+            <a:ext cx="1584176" cy="637710"/>
+          </a:xfrm>
+          <a:prstGeom prst="roundRect">
+            <a:avLst/>
+          </a:prstGeom>
+        </p:spPr>
+        <p:style>
+          <a:lnRef idx="2">
+            <a:schemeClr val="dk1"/>
+          </a:lnRef>
+          <a:fillRef idx="1">
+            <a:schemeClr val="lt1"/>
+          </a:fillRef>
+          <a:effectRef idx="0">
+            <a:schemeClr val="dk1"/>
+          </a:effectRef>
+          <a:fontRef idx="minor">
+            <a:schemeClr val="dk1"/>
+          </a:fontRef>
+        </p:style>
+        <p:txBody>
+          <a:bodyPr rtlCol="0" anchor="ctr"/>
+          <a:lstStyle/>
+          <a:p>
+            <a:pPr algn="ctr"/>
+            <a:r>
+              <a:rPr lang="en-US" altLang="ko-KR" sz="1600" b="1"/>
+              <a:t>Exchange A</a:t>
+            </a:r>
+          </a:p>
+          <a:p>
+            <a:pPr algn="ctr"/>
+            <a:r>
+              <a:rPr lang="en-US" altLang="ko-KR" sz="1400"/>
+              <a:t>Direct Type</a:t>
+            </a:r>
+            <a:endParaRPr lang="ko-KR" altLang="en-US" sz="1400" dirty="0"/>
+          </a:p>
+        </p:txBody>
+      </p:sp>
+      <p:sp>
+        <p:nvSpPr>
+          <p:cNvPr id="14" name="모서리가 둥근 직사각형 13"/>
+          <p:cNvSpPr/>
+          <p:nvPr/>
+        </p:nvSpPr>
+        <p:spPr>
+          <a:xfrm>
+            <a:off x="5004048" y="3475339"/>
+            <a:ext cx="1983046" cy="1018528"/>
+          </a:xfrm>
+          <a:prstGeom prst="roundRect">
+            <a:avLst/>
+          </a:prstGeom>
+        </p:spPr>
+        <p:style>
+          <a:lnRef idx="2">
+            <a:schemeClr val="dk1"/>
+          </a:lnRef>
+          <a:fillRef idx="1">
+            <a:schemeClr val="lt1"/>
+          </a:fillRef>
+          <a:effectRef idx="0">
+            <a:schemeClr val="dk1"/>
+          </a:effectRef>
+          <a:fontRef idx="minor">
+            <a:schemeClr val="dk1"/>
+          </a:fontRef>
+        </p:style>
+        <p:txBody>
+          <a:bodyPr rtlCol="0" anchor="ctr"/>
+          <a:lstStyle/>
+          <a:p>
+            <a:pPr algn="ctr"/>
+            <a:r>
+              <a:rPr lang="en-US" altLang="ko-KR" sz="1600" b="1"/>
+              <a:t>Exchange B</a:t>
+            </a:r>
+          </a:p>
+          <a:p>
+            <a:pPr algn="ctr"/>
+            <a:r>
+              <a:rPr lang="en-US" altLang="ko-KR" sz="1400"/>
+              <a:t>Binding Key </a:t>
+            </a:r>
+          </a:p>
+          <a:p>
+            <a:pPr algn="ctr"/>
+            <a:r>
+              <a:rPr lang="en-US" altLang="ko-KR" sz="1400"/>
+              <a:t>- ssup2.main</a:t>
+            </a:r>
+          </a:p>
+          <a:p>
+            <a:pPr algn="ctr"/>
+            <a:r>
+              <a:rPr lang="en-US" altLang="ko-KR" sz="1400"/>
+              <a:t>- ssup2.category</a:t>
+            </a:r>
+          </a:p>
+        </p:txBody>
+      </p:sp>
+      <p:sp>
+        <p:nvSpPr>
+          <p:cNvPr id="15" name="모서리가 둥근 직사각형 14"/>
+          <p:cNvSpPr/>
+          <p:nvPr/>
+        </p:nvSpPr>
+        <p:spPr>
+          <a:xfrm>
+            <a:off x="5004048" y="879501"/>
+            <a:ext cx="1983046" cy="1018528"/>
+          </a:xfrm>
+          <a:prstGeom prst="roundRect">
+            <a:avLst/>
+          </a:prstGeom>
+        </p:spPr>
+        <p:style>
+          <a:lnRef idx="2">
+            <a:schemeClr val="dk1"/>
+          </a:lnRef>
+          <a:fillRef idx="1">
+            <a:schemeClr val="lt1"/>
+          </a:fillRef>
+          <a:effectRef idx="0">
+            <a:schemeClr val="dk1"/>
+          </a:effectRef>
+          <a:fontRef idx="minor">
+            <a:schemeClr val="dk1"/>
+          </a:fontRef>
+        </p:style>
+        <p:txBody>
+          <a:bodyPr rtlCol="0" anchor="ctr"/>
+          <a:lstStyle/>
+          <a:p>
+            <a:pPr algn="ctr"/>
+            <a:r>
+              <a:rPr lang="en-US" altLang="ko-KR" sz="1600" b="1"/>
+              <a:t>Queue A</a:t>
+            </a:r>
+          </a:p>
+          <a:p>
+            <a:pPr algn="ctr"/>
+            <a:r>
+              <a:rPr lang="en-US" altLang="ko-KR" sz="1400"/>
+              <a:t>Binding Key </a:t>
+            </a:r>
+          </a:p>
+          <a:p>
+            <a:pPr algn="ctr"/>
+            <a:r>
+              <a:rPr lang="en-US" altLang="ko-KR" sz="1400"/>
+              <a:t>- ssup2.home</a:t>
+            </a:r>
+          </a:p>
+        </p:txBody>
+      </p:sp>
+      <p:cxnSp>
+        <p:nvCxnSpPr>
+          <p:cNvPr id="21" name="직선 화살표 연결선 20"/>
+          <p:cNvCxnSpPr>
+            <a:cxnSpLocks/>
+            <a:stCxn id="11" idx="3"/>
+            <a:endCxn id="14" idx="1"/>
+          </p:cNvCxnSpPr>
+          <p:nvPr/>
+        </p:nvCxnSpPr>
+        <p:spPr>
+          <a:xfrm>
+            <a:off x="3419872" y="2711454"/>
+            <a:ext cx="1584176" cy="1273149"/>
+          </a:xfrm>
+          <a:prstGeom prst="straightConnector1">
+            <a:avLst/>
+          </a:prstGeom>
+          <a:ln w="28575">
+            <a:tailEnd type="arrow"/>
+          </a:ln>
+        </p:spPr>
+        <p:style>
+          <a:lnRef idx="1">
+            <a:schemeClr val="dk1"/>
+          </a:lnRef>
+          <a:fillRef idx="0">
+            <a:schemeClr val="dk1"/>
+          </a:fillRef>
+          <a:effectRef idx="0">
+            <a:schemeClr val="dk1"/>
+          </a:effectRef>
+          <a:fontRef idx="minor">
+            <a:schemeClr val="tx1"/>
+          </a:fontRef>
+        </p:style>
+      </p:cxnSp>
+      <p:cxnSp>
+        <p:nvCxnSpPr>
+          <p:cNvPr id="29" name="직선 화살표 연결선 28"/>
+          <p:cNvCxnSpPr>
+            <a:cxnSpLocks/>
+            <a:stCxn id="11" idx="3"/>
+            <a:endCxn id="15" idx="1"/>
+          </p:cNvCxnSpPr>
+          <p:nvPr/>
+        </p:nvCxnSpPr>
+        <p:spPr>
+          <a:xfrm flipV="1">
+            <a:off x="3419872" y="1388765"/>
+            <a:ext cx="1584176" cy="1322689"/>
+          </a:xfrm>
+          <a:prstGeom prst="straightConnector1">
+            <a:avLst/>
+          </a:prstGeom>
+          <a:ln w="28575">
+            <a:tailEnd type="arrow"/>
+          </a:ln>
+        </p:spPr>
+        <p:style>
+          <a:lnRef idx="1">
+            <a:schemeClr val="dk1"/>
+          </a:lnRef>
+          <a:fillRef idx="0">
+            <a:schemeClr val="dk1"/>
+          </a:fillRef>
+          <a:effectRef idx="0">
+            <a:schemeClr val="dk1"/>
+          </a:effectRef>
+          <a:fontRef idx="minor">
+            <a:schemeClr val="tx1"/>
+          </a:fontRef>
+        </p:style>
+      </p:cxnSp>
+      <p:sp>
+        <p:nvSpPr>
+          <p:cNvPr id="36" name="모서리가 둥근 직사각형 35"/>
+          <p:cNvSpPr/>
+          <p:nvPr/>
+        </p:nvSpPr>
+        <p:spPr>
+          <a:xfrm>
+            <a:off x="5004048" y="2202190"/>
+            <a:ext cx="1983046" cy="1018528"/>
+          </a:xfrm>
+          <a:prstGeom prst="roundRect">
+            <a:avLst/>
+          </a:prstGeom>
+        </p:spPr>
+        <p:style>
+          <a:lnRef idx="2">
+            <a:schemeClr val="dk1"/>
+          </a:lnRef>
+          <a:fillRef idx="1">
+            <a:schemeClr val="lt1"/>
+          </a:fillRef>
+          <a:effectRef idx="0">
+            <a:schemeClr val="dk1"/>
+          </a:effectRef>
+          <a:fontRef idx="minor">
+            <a:schemeClr val="dk1"/>
+          </a:fontRef>
+        </p:style>
+        <p:txBody>
+          <a:bodyPr rtlCol="0" anchor="ctr"/>
+          <a:lstStyle/>
+          <a:p>
+            <a:pPr algn="ctr"/>
+            <a:r>
+              <a:rPr lang="en-US" altLang="ko-KR" sz="1600" b="1"/>
+              <a:t>Queue B</a:t>
+            </a:r>
+          </a:p>
+          <a:p>
+            <a:pPr algn="ctr"/>
+            <a:r>
+              <a:rPr lang="en-US" altLang="ko-KR" sz="1400"/>
+              <a:t>Binding Key </a:t>
+            </a:r>
+          </a:p>
+          <a:p>
+            <a:pPr algn="ctr"/>
+            <a:r>
+              <a:rPr lang="en-US" altLang="ko-KR" sz="1400"/>
+              <a:t>- ssup2.main</a:t>
+            </a:r>
+            <a:endParaRPr lang="ko-KR" altLang="en-US" sz="1400" dirty="0"/>
+          </a:p>
+        </p:txBody>
+      </p:sp>
+      <p:cxnSp>
+        <p:nvCxnSpPr>
+          <p:cNvPr id="39" name="직선 화살표 연결선 38"/>
+          <p:cNvCxnSpPr>
+            <a:cxnSpLocks/>
+            <a:stCxn id="11" idx="3"/>
+            <a:endCxn id="36" idx="1"/>
+          </p:cNvCxnSpPr>
+          <p:nvPr/>
+        </p:nvCxnSpPr>
+        <p:spPr>
+          <a:xfrm>
+            <a:off x="3419872" y="2711454"/>
+            <a:ext cx="1584176" cy="0"/>
+          </a:xfrm>
+          <a:prstGeom prst="straightConnector1">
+            <a:avLst/>
+          </a:prstGeom>
+          <a:ln w="28575">
+            <a:tailEnd type="arrow"/>
+          </a:ln>
+        </p:spPr>
+        <p:style>
+          <a:lnRef idx="1">
+            <a:schemeClr val="dk1"/>
+          </a:lnRef>
+          <a:fillRef idx="0">
+            <a:schemeClr val="dk1"/>
+          </a:fillRef>
+          <a:effectRef idx="0">
+            <a:schemeClr val="dk1"/>
+          </a:effectRef>
+          <a:fontRef idx="minor">
+            <a:schemeClr val="tx1"/>
+          </a:fontRef>
+        </p:style>
+      </p:cxnSp>
+      <p:sp>
+        <p:nvSpPr>
+          <p:cNvPr id="31" name="TextBox 30">
+            <a:extLst>
+              <a:ext uri="{FF2B5EF4-FFF2-40B4-BE49-F238E27FC236}">
+                <a16:creationId xmlns:a16="http://schemas.microsoft.com/office/drawing/2014/main" id="{A3A5144F-1AFF-45EB-A16D-1E16C45EEC20}"/>
+              </a:ext>
+            </a:extLst>
+          </p:cNvPr>
+          <p:cNvSpPr txBox="1"/>
+          <p:nvPr/>
+        </p:nvSpPr>
+        <p:spPr>
+          <a:xfrm>
+            <a:off x="3347864" y="2202559"/>
+            <a:ext cx="2088232" cy="523220"/>
+          </a:xfrm>
+          <a:prstGeom prst="rect">
+            <a:avLst/>
+          </a:prstGeom>
+          <a:noFill/>
+        </p:spPr>
+        <p:txBody>
+          <a:bodyPr wrap="square" rtlCol="0">
+            <a:spAutoFit/>
+          </a:bodyPr>
+          <a:lstStyle/>
+          <a:p>
+            <a:pPr algn="ctr"/>
+            <a:r>
+              <a:rPr lang="en-US" altLang="ko-KR" sz="1400"/>
+              <a:t>Routing Key</a:t>
+            </a:r>
+          </a:p>
+          <a:p>
+            <a:pPr algn="ctr"/>
+            <a:r>
+              <a:rPr lang="en-US" altLang="ko-KR" sz="1400"/>
+              <a:t> - ssup2.main</a:t>
+            </a:r>
+            <a:endParaRPr lang="ko-KR" altLang="en-US" sz="1400" dirty="0"/>
+          </a:p>
+        </p:txBody>
+      </p:sp>
+      <p:sp>
+        <p:nvSpPr>
+          <p:cNvPr id="51" name="TextBox 50">
+            <a:extLst>
+              <a:ext uri="{FF2B5EF4-FFF2-40B4-BE49-F238E27FC236}">
+                <a16:creationId xmlns:a16="http://schemas.microsoft.com/office/drawing/2014/main" id="{B9361916-2D04-437B-BA89-1B097E752142}"/>
+              </a:ext>
+            </a:extLst>
+          </p:cNvPr>
+          <p:cNvSpPr txBox="1"/>
+          <p:nvPr/>
+        </p:nvSpPr>
+        <p:spPr>
+          <a:xfrm>
+            <a:off x="2555776" y="3435846"/>
+            <a:ext cx="2611518" cy="738664"/>
+          </a:xfrm>
+          <a:prstGeom prst="rect">
+            <a:avLst/>
+          </a:prstGeom>
+          <a:noFill/>
+        </p:spPr>
+        <p:txBody>
+          <a:bodyPr wrap="square" rtlCol="0">
+            <a:spAutoFit/>
+          </a:bodyPr>
+          <a:lstStyle/>
+          <a:p>
+            <a:pPr algn="ctr"/>
+            <a:r>
+              <a:rPr lang="en-US" altLang="ko-KR" sz="1400"/>
+              <a:t>Routing Key </a:t>
+            </a:r>
+          </a:p>
+          <a:p>
+            <a:pPr algn="ctr"/>
+            <a:r>
+              <a:rPr lang="en-US" altLang="ko-KR" sz="1400"/>
+              <a:t>- ssup2.main</a:t>
+            </a:r>
+          </a:p>
+          <a:p>
+            <a:pPr algn="ctr"/>
+            <a:r>
+              <a:rPr lang="en-US" altLang="ko-KR" sz="1400"/>
+              <a:t>- ssup2.category</a:t>
+            </a:r>
+          </a:p>
+        </p:txBody>
+      </p:sp>
+      <p:sp>
+        <p:nvSpPr>
+          <p:cNvPr id="52" name="TextBox 51">
+            <a:extLst>
+              <a:ext uri="{FF2B5EF4-FFF2-40B4-BE49-F238E27FC236}">
+                <a16:creationId xmlns:a16="http://schemas.microsoft.com/office/drawing/2014/main" id="{859E9466-942F-45D5-9CE9-1BC6C7A3489F}"/>
+              </a:ext>
+            </a:extLst>
+          </p:cNvPr>
+          <p:cNvSpPr txBox="1"/>
+          <p:nvPr/>
+        </p:nvSpPr>
+        <p:spPr>
+          <a:xfrm>
+            <a:off x="2915816" y="1347614"/>
+            <a:ext cx="1983046" cy="523220"/>
+          </a:xfrm>
+          <a:prstGeom prst="rect">
+            <a:avLst/>
+          </a:prstGeom>
+          <a:noFill/>
+        </p:spPr>
+        <p:txBody>
+          <a:bodyPr wrap="square" rtlCol="0">
+            <a:spAutoFit/>
+          </a:bodyPr>
+          <a:lstStyle/>
+          <a:p>
+            <a:pPr algn="ctr"/>
+            <a:r>
+              <a:rPr lang="en-US" altLang="ko-KR" sz="1400"/>
+              <a:t>Routing Key </a:t>
+            </a:r>
+          </a:p>
+          <a:p>
+            <a:pPr algn="ctr"/>
+            <a:r>
+              <a:rPr lang="en-US" altLang="ko-KR" sz="1400"/>
+              <a:t>- ssup2.home</a:t>
+            </a:r>
+          </a:p>
+        </p:txBody>
+      </p:sp>
+    </p:spTree>
+    <p:extLst>
+      <p:ext uri="{BB962C8B-B14F-4D97-AF65-F5344CB8AC3E}">
+        <p14:creationId xmlns:p14="http://schemas.microsoft.com/office/powerpoint/2010/main" val="2698707757"/>
+      </p:ext>
+    </p:extLst>
+  </p:cSld>
+  <p:clrMapOvr>
+    <a:masterClrMapping/>
+  </p:clrMapOvr>
+</p:sld>
+</file>
+
+<file path=ppt/slides/slide3.xml><?xml version="1.0" encoding="utf-8"?>
+<p:sld xmlns:a="http://schemas.openxmlformats.org/drawingml/2006/main" xmlns:r="http://schemas.openxmlformats.org/officeDocument/2006/relationships" xmlns:p="http://schemas.openxmlformats.org/presentationml/2006/main">
+  <p:cSld>
+    <p:spTree>
+      <p:nvGrpSpPr>
+        <p:cNvPr id="1" name=""/>
+        <p:cNvGrpSpPr/>
+        <p:nvPr/>
+      </p:nvGrpSpPr>
+      <p:grpSpPr>
+        <a:xfrm>
+          <a:off x="0" y="0"/>
+          <a:ext cx="0" cy="0"/>
+          <a:chOff x="0" y="0"/>
+          <a:chExt cx="0" cy="0"/>
+        </a:xfrm>
+      </p:grpSpPr>
+      <p:sp>
+        <p:nvSpPr>
+          <p:cNvPr id="6" name="제목 1"/>
+          <p:cNvSpPr>
+            <a:spLocks noGrp="1"/>
+          </p:cNvSpPr>
+          <p:nvPr>
+            <p:ph type="title"/>
+          </p:nvPr>
+        </p:nvSpPr>
+        <p:spPr>
+          <a:xfrm>
+            <a:off x="457200" y="-20538"/>
+            <a:ext cx="8229600" cy="857250"/>
+          </a:xfrm>
+        </p:spPr>
+        <p:txBody>
+          <a:bodyPr>
+            <a:normAutofit/>
+          </a:bodyPr>
+          <a:lstStyle/>
+          <a:p>
+            <a:r>
+              <a:rPr lang="en-US" altLang="ko-KR"/>
+              <a:t>AMQP Fanout Exchange</a:t>
+            </a:r>
+            <a:endParaRPr lang="ko-KR" altLang="en-US" dirty="0"/>
+          </a:p>
+        </p:txBody>
+      </p:sp>
+      <p:sp>
+        <p:nvSpPr>
+          <p:cNvPr id="11" name="모서리가 둥근 직사각형 10"/>
+          <p:cNvSpPr/>
+          <p:nvPr/>
+        </p:nvSpPr>
+        <p:spPr>
+          <a:xfrm>
+            <a:off x="1835696" y="2392599"/>
+            <a:ext cx="1584176" cy="637710"/>
+          </a:xfrm>
+          <a:prstGeom prst="roundRect">
+            <a:avLst/>
+          </a:prstGeom>
+        </p:spPr>
+        <p:style>
+          <a:lnRef idx="2">
+            <a:schemeClr val="dk1"/>
+          </a:lnRef>
+          <a:fillRef idx="1">
+            <a:schemeClr val="lt1"/>
+          </a:fillRef>
+          <a:effectRef idx="0">
+            <a:schemeClr val="dk1"/>
+          </a:effectRef>
+          <a:fontRef idx="minor">
+            <a:schemeClr val="dk1"/>
+          </a:fontRef>
+        </p:style>
+        <p:txBody>
+          <a:bodyPr rtlCol="0" anchor="ctr"/>
+          <a:lstStyle/>
+          <a:p>
+            <a:pPr algn="ctr"/>
+            <a:r>
+              <a:rPr lang="en-US" altLang="ko-KR" sz="1600" b="1"/>
+              <a:t>Exchange A</a:t>
+            </a:r>
+          </a:p>
+          <a:p>
+            <a:pPr algn="ctr"/>
+            <a:r>
+              <a:rPr lang="en-US" altLang="ko-KR" sz="1400"/>
+              <a:t>Fanout Type</a:t>
+            </a:r>
+            <a:endParaRPr lang="ko-KR" altLang="en-US" sz="1400" dirty="0"/>
+          </a:p>
+        </p:txBody>
+      </p:sp>
+      <p:sp>
+        <p:nvSpPr>
+          <p:cNvPr id="14" name="모서리가 둥근 직사각형 13"/>
+          <p:cNvSpPr/>
+          <p:nvPr/>
+        </p:nvSpPr>
+        <p:spPr>
+          <a:xfrm>
+            <a:off x="5004048" y="3475339"/>
+            <a:ext cx="1983046" cy="1018528"/>
+          </a:xfrm>
+          <a:prstGeom prst="roundRect">
+            <a:avLst/>
+          </a:prstGeom>
+        </p:spPr>
+        <p:style>
+          <a:lnRef idx="2">
+            <a:schemeClr val="dk1"/>
+          </a:lnRef>
+          <a:fillRef idx="1">
+            <a:schemeClr val="lt1"/>
+          </a:fillRef>
+          <a:effectRef idx="0">
+            <a:schemeClr val="dk1"/>
+          </a:effectRef>
+          <a:fontRef idx="minor">
+            <a:schemeClr val="dk1"/>
+          </a:fontRef>
+        </p:style>
+        <p:txBody>
+          <a:bodyPr rtlCol="0" anchor="ctr"/>
+          <a:lstStyle/>
+          <a:p>
+            <a:pPr algn="ctr"/>
+            <a:r>
+              <a:rPr lang="en-US" altLang="ko-KR" sz="1600" b="1"/>
+              <a:t>Exchange B</a:t>
+            </a:r>
+          </a:p>
+        </p:txBody>
+      </p:sp>
+      <p:sp>
+        <p:nvSpPr>
+          <p:cNvPr id="15" name="모서리가 둥근 직사각형 14"/>
+          <p:cNvSpPr/>
+          <p:nvPr/>
+        </p:nvSpPr>
+        <p:spPr>
+          <a:xfrm>
+            <a:off x="5004048" y="879501"/>
+            <a:ext cx="1983046" cy="1018528"/>
+          </a:xfrm>
+          <a:prstGeom prst="roundRect">
+            <a:avLst/>
+          </a:prstGeom>
+        </p:spPr>
+        <p:style>
+          <a:lnRef idx="2">
+            <a:schemeClr val="dk1"/>
+          </a:lnRef>
+          <a:fillRef idx="1">
+            <a:schemeClr val="lt1"/>
+          </a:fillRef>
+          <a:effectRef idx="0">
+            <a:schemeClr val="dk1"/>
+          </a:effectRef>
+          <a:fontRef idx="minor">
+            <a:schemeClr val="dk1"/>
+          </a:fontRef>
+        </p:style>
+        <p:txBody>
+          <a:bodyPr rtlCol="0" anchor="ctr"/>
+          <a:lstStyle/>
+          <a:p>
+            <a:pPr algn="ctr"/>
+            <a:r>
+              <a:rPr lang="en-US" altLang="ko-KR" sz="1600" b="1"/>
+              <a:t>Queue A</a:t>
+            </a:r>
+          </a:p>
+        </p:txBody>
+      </p:sp>
+      <p:cxnSp>
+        <p:nvCxnSpPr>
+          <p:cNvPr id="21" name="직선 화살표 연결선 20"/>
+          <p:cNvCxnSpPr>
+            <a:cxnSpLocks/>
+            <a:stCxn id="11" idx="3"/>
+            <a:endCxn id="14" idx="1"/>
+          </p:cNvCxnSpPr>
+          <p:nvPr/>
+        </p:nvCxnSpPr>
+        <p:spPr>
+          <a:xfrm>
+            <a:off x="3419872" y="2711454"/>
+            <a:ext cx="1584176" cy="1273149"/>
+          </a:xfrm>
+          <a:prstGeom prst="straightConnector1">
+            <a:avLst/>
+          </a:prstGeom>
+          <a:ln w="28575">
+            <a:tailEnd type="arrow"/>
+          </a:ln>
+        </p:spPr>
+        <p:style>
+          <a:lnRef idx="1">
+            <a:schemeClr val="dk1"/>
+          </a:lnRef>
+          <a:fillRef idx="0">
+            <a:schemeClr val="dk1"/>
+          </a:fillRef>
+          <a:effectRef idx="0">
+            <a:schemeClr val="dk1"/>
+          </a:effectRef>
+          <a:fontRef idx="minor">
+            <a:schemeClr val="tx1"/>
+          </a:fontRef>
+        </p:style>
+      </p:cxnSp>
+      <p:cxnSp>
+        <p:nvCxnSpPr>
+          <p:cNvPr id="29" name="직선 화살표 연결선 28"/>
+          <p:cNvCxnSpPr>
+            <a:cxnSpLocks/>
+            <a:stCxn id="11" idx="3"/>
+            <a:endCxn id="15" idx="1"/>
+          </p:cNvCxnSpPr>
+          <p:nvPr/>
+        </p:nvCxnSpPr>
+        <p:spPr>
+          <a:xfrm flipV="1">
+            <a:off x="3419872" y="1388765"/>
+            <a:ext cx="1584176" cy="1322689"/>
+          </a:xfrm>
+          <a:prstGeom prst="straightConnector1">
+            <a:avLst/>
+          </a:prstGeom>
+          <a:ln w="28575">
+            <a:tailEnd type="arrow"/>
+          </a:ln>
+        </p:spPr>
+        <p:style>
+          <a:lnRef idx="1">
+            <a:schemeClr val="dk1"/>
+          </a:lnRef>
+          <a:fillRef idx="0">
+            <a:schemeClr val="dk1"/>
+          </a:fillRef>
+          <a:effectRef idx="0">
+            <a:schemeClr val="dk1"/>
+          </a:effectRef>
+          <a:fontRef idx="minor">
+            <a:schemeClr val="tx1"/>
+          </a:fontRef>
+        </p:style>
+      </p:cxnSp>
+      <p:sp>
+        <p:nvSpPr>
+          <p:cNvPr id="36" name="모서리가 둥근 직사각형 35"/>
+          <p:cNvSpPr/>
+          <p:nvPr/>
+        </p:nvSpPr>
+        <p:spPr>
+          <a:xfrm>
+            <a:off x="5004048" y="2202190"/>
+            <a:ext cx="1983046" cy="1018528"/>
+          </a:xfrm>
+          <a:prstGeom prst="roundRect">
+            <a:avLst/>
+          </a:prstGeom>
+        </p:spPr>
+        <p:style>
+          <a:lnRef idx="2">
+            <a:schemeClr val="dk1"/>
+          </a:lnRef>
+          <a:fillRef idx="1">
+            <a:schemeClr val="lt1"/>
+          </a:fillRef>
+          <a:effectRef idx="0">
+            <a:schemeClr val="dk1"/>
+          </a:effectRef>
+          <a:fontRef idx="minor">
+            <a:schemeClr val="dk1"/>
+          </a:fontRef>
+        </p:style>
+        <p:txBody>
+          <a:bodyPr rtlCol="0" anchor="ctr"/>
+          <a:lstStyle/>
+          <a:p>
+            <a:pPr algn="ctr"/>
+            <a:r>
+              <a:rPr lang="en-US" altLang="ko-KR" sz="1600" b="1"/>
+              <a:t>Queue B</a:t>
+            </a:r>
+          </a:p>
+        </p:txBody>
+      </p:sp>
+      <p:cxnSp>
+        <p:nvCxnSpPr>
+          <p:cNvPr id="39" name="직선 화살표 연결선 38"/>
+          <p:cNvCxnSpPr>
+            <a:cxnSpLocks/>
+            <a:stCxn id="11" idx="3"/>
+            <a:endCxn id="36" idx="1"/>
+          </p:cNvCxnSpPr>
+          <p:nvPr/>
+        </p:nvCxnSpPr>
+        <p:spPr>
+          <a:xfrm>
+            <a:off x="3419872" y="2711454"/>
+            <a:ext cx="1584176" cy="0"/>
+          </a:xfrm>
+          <a:prstGeom prst="straightConnector1">
+            <a:avLst/>
+          </a:prstGeom>
+          <a:ln w="28575">
+            <a:tailEnd type="arrow"/>
+          </a:ln>
+        </p:spPr>
+        <p:style>
+          <a:lnRef idx="1">
+            <a:schemeClr val="dk1"/>
+          </a:lnRef>
+          <a:fillRef idx="0">
+            <a:schemeClr val="dk1"/>
+          </a:fillRef>
+          <a:effectRef idx="0">
+            <a:schemeClr val="dk1"/>
+          </a:effectRef>
+          <a:fontRef idx="minor">
+            <a:schemeClr val="tx1"/>
+          </a:fontRef>
+        </p:style>
+      </p:cxnSp>
+      <p:sp>
+        <p:nvSpPr>
+          <p:cNvPr id="31" name="TextBox 30">
+            <a:extLst>
+              <a:ext uri="{FF2B5EF4-FFF2-40B4-BE49-F238E27FC236}">
+                <a16:creationId xmlns:a16="http://schemas.microsoft.com/office/drawing/2014/main" id="{A3A5144F-1AFF-45EB-A16D-1E16C45EEC20}"/>
+              </a:ext>
+            </a:extLst>
+          </p:cNvPr>
+          <p:cNvSpPr txBox="1"/>
+          <p:nvPr/>
+        </p:nvSpPr>
+        <p:spPr>
+          <a:xfrm>
+            <a:off x="3347864" y="2407989"/>
+            <a:ext cx="2088232" cy="307777"/>
+          </a:xfrm>
+          <a:prstGeom prst="rect">
+            <a:avLst/>
+          </a:prstGeom>
+          <a:noFill/>
+        </p:spPr>
+        <p:txBody>
+          <a:bodyPr wrap="square" rtlCol="0">
+            <a:spAutoFit/>
+          </a:bodyPr>
+          <a:lstStyle/>
+          <a:p>
+            <a:pPr algn="ctr"/>
+            <a:r>
+              <a:rPr lang="en-US" altLang="ko-KR" sz="1400"/>
+              <a:t>All Messages</a:t>
+            </a:r>
+            <a:endParaRPr lang="ko-KR" altLang="en-US" sz="1400" dirty="0"/>
+          </a:p>
+        </p:txBody>
+      </p:sp>
+      <p:sp>
+        <p:nvSpPr>
+          <p:cNvPr id="51" name="TextBox 50">
+            <a:extLst>
+              <a:ext uri="{FF2B5EF4-FFF2-40B4-BE49-F238E27FC236}">
+                <a16:creationId xmlns:a16="http://schemas.microsoft.com/office/drawing/2014/main" id="{B9361916-2D04-437B-BA89-1B097E752142}"/>
+              </a:ext>
+            </a:extLst>
+          </p:cNvPr>
+          <p:cNvSpPr txBox="1"/>
+          <p:nvPr/>
+        </p:nvSpPr>
+        <p:spPr>
+          <a:xfrm>
+            <a:off x="2555776" y="3435846"/>
+            <a:ext cx="2611518" cy="307777"/>
+          </a:xfrm>
+          <a:prstGeom prst="rect">
+            <a:avLst/>
+          </a:prstGeom>
+          <a:noFill/>
+        </p:spPr>
+        <p:txBody>
+          <a:bodyPr wrap="square" rtlCol="0">
+            <a:spAutoFit/>
+          </a:bodyPr>
+          <a:lstStyle/>
+          <a:p>
+            <a:pPr algn="ctr"/>
+            <a:r>
+              <a:rPr lang="en-US" altLang="ko-KR" sz="1400"/>
+              <a:t>All Messages</a:t>
+            </a:r>
+            <a:endParaRPr lang="ko-KR" altLang="en-US" sz="1400" dirty="0"/>
+          </a:p>
+        </p:txBody>
+      </p:sp>
+      <p:sp>
+        <p:nvSpPr>
+          <p:cNvPr id="52" name="TextBox 51">
+            <a:extLst>
+              <a:ext uri="{FF2B5EF4-FFF2-40B4-BE49-F238E27FC236}">
+                <a16:creationId xmlns:a16="http://schemas.microsoft.com/office/drawing/2014/main" id="{859E9466-942F-45D5-9CE9-1BC6C7A3489F}"/>
+              </a:ext>
+            </a:extLst>
+          </p:cNvPr>
+          <p:cNvSpPr txBox="1"/>
+          <p:nvPr/>
+        </p:nvSpPr>
+        <p:spPr>
+          <a:xfrm>
+            <a:off x="2915816" y="1543893"/>
+            <a:ext cx="1983046" cy="307777"/>
+          </a:xfrm>
+          <a:prstGeom prst="rect">
+            <a:avLst/>
+          </a:prstGeom>
+          <a:noFill/>
+        </p:spPr>
+        <p:txBody>
+          <a:bodyPr wrap="square" rtlCol="0">
+            <a:spAutoFit/>
+          </a:bodyPr>
+          <a:lstStyle/>
+          <a:p>
+            <a:pPr algn="ctr"/>
+            <a:r>
+              <a:rPr lang="en-US" altLang="ko-KR" sz="1400"/>
+              <a:t>All Messages</a:t>
+            </a:r>
+            <a:endParaRPr lang="ko-KR" altLang="en-US" sz="1400" dirty="0"/>
+          </a:p>
+        </p:txBody>
+      </p:sp>
+    </p:spTree>
+    <p:extLst>
+      <p:ext uri="{BB962C8B-B14F-4D97-AF65-F5344CB8AC3E}">
+        <p14:creationId xmlns:p14="http://schemas.microsoft.com/office/powerpoint/2010/main" val="3268205152"/>
+      </p:ext>
+    </p:extLst>
+  </p:cSld>
+  <p:clrMapOvr>
+    <a:masterClrMapping/>
+  </p:clrMapOvr>
+</p:sld>
+</file>
+
+<file path=ppt/slides/slide4.xml><?xml version="1.0" encoding="utf-8"?>
+<p:sld xmlns:a="http://schemas.openxmlformats.org/drawingml/2006/main" xmlns:r="http://schemas.openxmlformats.org/officeDocument/2006/relationships" xmlns:p="http://schemas.openxmlformats.org/presentationml/2006/main">
+  <p:cSld>
+    <p:spTree>
+      <p:nvGrpSpPr>
+        <p:cNvPr id="1" name=""/>
+        <p:cNvGrpSpPr/>
+        <p:nvPr/>
+      </p:nvGrpSpPr>
+      <p:grpSpPr>
+        <a:xfrm>
+          <a:off x="0" y="0"/>
+          <a:ext cx="0" cy="0"/>
+          <a:chOff x="0" y="0"/>
+          <a:chExt cx="0" cy="0"/>
+        </a:xfrm>
+      </p:grpSpPr>
+      <p:sp>
+        <p:nvSpPr>
+          <p:cNvPr id="6" name="제목 1"/>
+          <p:cNvSpPr>
+            <a:spLocks noGrp="1"/>
+          </p:cNvSpPr>
+          <p:nvPr>
+            <p:ph type="title"/>
+          </p:nvPr>
+        </p:nvSpPr>
+        <p:spPr>
+          <a:xfrm>
+            <a:off x="457200" y="-20538"/>
+            <a:ext cx="8229600" cy="857250"/>
+          </a:xfrm>
+        </p:spPr>
+        <p:txBody>
+          <a:bodyPr>
+            <a:normAutofit/>
+          </a:bodyPr>
+          <a:lstStyle/>
+          <a:p>
+            <a:r>
+              <a:rPr lang="en-US" altLang="ko-KR"/>
+              <a:t>AMQP Topic Exchange</a:t>
+            </a:r>
+            <a:endParaRPr lang="ko-KR" altLang="en-US" dirty="0"/>
+          </a:p>
+        </p:txBody>
+      </p:sp>
+      <p:sp>
+        <p:nvSpPr>
+          <p:cNvPr id="11" name="모서리가 둥근 직사각형 10"/>
+          <p:cNvSpPr/>
+          <p:nvPr/>
+        </p:nvSpPr>
+        <p:spPr>
+          <a:xfrm>
+            <a:off x="1835696" y="2392599"/>
+            <a:ext cx="1584176" cy="637710"/>
+          </a:xfrm>
+          <a:prstGeom prst="roundRect">
+            <a:avLst/>
+          </a:prstGeom>
+        </p:spPr>
+        <p:style>
+          <a:lnRef idx="2">
+            <a:schemeClr val="dk1"/>
+          </a:lnRef>
+          <a:fillRef idx="1">
+            <a:schemeClr val="lt1"/>
+          </a:fillRef>
+          <a:effectRef idx="0">
+            <a:schemeClr val="dk1"/>
+          </a:effectRef>
+          <a:fontRef idx="minor">
+            <a:schemeClr val="dk1"/>
+          </a:fontRef>
+        </p:style>
+        <p:txBody>
+          <a:bodyPr rtlCol="0" anchor="ctr"/>
+          <a:lstStyle/>
+          <a:p>
+            <a:pPr algn="ctr"/>
+            <a:r>
+              <a:rPr lang="en-US" altLang="ko-KR" sz="1600" b="1"/>
+              <a:t>Exchange A</a:t>
+            </a:r>
+          </a:p>
+          <a:p>
+            <a:pPr algn="ctr"/>
+            <a:r>
+              <a:rPr lang="en-US" altLang="ko-KR" sz="1400"/>
+              <a:t>Topic Type</a:t>
+            </a:r>
+            <a:endParaRPr lang="ko-KR" altLang="en-US" sz="1400" dirty="0"/>
+          </a:p>
+        </p:txBody>
+      </p:sp>
+      <p:sp>
+        <p:nvSpPr>
+          <p:cNvPr id="14" name="모서리가 둥근 직사각형 13"/>
+          <p:cNvSpPr/>
+          <p:nvPr/>
+        </p:nvSpPr>
+        <p:spPr>
+          <a:xfrm>
+            <a:off x="5004048" y="3475339"/>
+            <a:ext cx="1983046" cy="1018528"/>
+          </a:xfrm>
+          <a:prstGeom prst="roundRect">
+            <a:avLst/>
+          </a:prstGeom>
+        </p:spPr>
+        <p:style>
+          <a:lnRef idx="2">
+            <a:schemeClr val="dk1"/>
+          </a:lnRef>
+          <a:fillRef idx="1">
+            <a:schemeClr val="lt1"/>
+          </a:fillRef>
+          <a:effectRef idx="0">
+            <a:schemeClr val="dk1"/>
+          </a:effectRef>
+          <a:fontRef idx="minor">
+            <a:schemeClr val="dk1"/>
+          </a:fontRef>
+        </p:style>
+        <p:txBody>
+          <a:bodyPr rtlCol="0" anchor="ctr"/>
+          <a:lstStyle/>
+          <a:p>
+            <a:pPr algn="ctr"/>
+            <a:r>
+              <a:rPr lang="en-US" altLang="ko-KR" sz="1600" b="1"/>
+              <a:t>Exchange B</a:t>
+            </a:r>
+          </a:p>
+          <a:p>
+            <a:pPr algn="ctr"/>
+            <a:r>
+              <a:rPr lang="en-US" altLang="ko-KR" sz="1400"/>
+              <a:t>Binding Key </a:t>
+            </a:r>
+          </a:p>
+          <a:p>
+            <a:pPr algn="ctr"/>
+            <a:r>
+              <a:rPr lang="en-US" altLang="ko-KR" sz="1400"/>
+              <a:t>- ssup2.m#</a:t>
+            </a:r>
+          </a:p>
+          <a:p>
+            <a:pPr algn="ctr"/>
+            <a:r>
+              <a:rPr lang="en-US" altLang="ko-KR" sz="1400"/>
+              <a:t>- ssup2.categor*</a:t>
+            </a:r>
+          </a:p>
+        </p:txBody>
+      </p:sp>
+      <p:sp>
+        <p:nvSpPr>
+          <p:cNvPr id="15" name="모서리가 둥근 직사각형 14"/>
+          <p:cNvSpPr/>
+          <p:nvPr/>
+        </p:nvSpPr>
+        <p:spPr>
+          <a:xfrm>
+            <a:off x="5004048" y="879501"/>
+            <a:ext cx="1983046" cy="1018528"/>
+          </a:xfrm>
+          <a:prstGeom prst="roundRect">
+            <a:avLst/>
+          </a:prstGeom>
+        </p:spPr>
+        <p:style>
+          <a:lnRef idx="2">
+            <a:schemeClr val="dk1"/>
+          </a:lnRef>
+          <a:fillRef idx="1">
+            <a:schemeClr val="lt1"/>
+          </a:fillRef>
+          <a:effectRef idx="0">
+            <a:schemeClr val="dk1"/>
+          </a:effectRef>
+          <a:fontRef idx="minor">
+            <a:schemeClr val="dk1"/>
+          </a:fontRef>
+        </p:style>
+        <p:txBody>
+          <a:bodyPr rtlCol="0" anchor="ctr"/>
+          <a:lstStyle/>
+          <a:p>
+            <a:pPr algn="ctr"/>
+            <a:r>
+              <a:rPr lang="en-US" altLang="ko-KR" sz="1600" b="1"/>
+              <a:t>Queue A</a:t>
+            </a:r>
+          </a:p>
+          <a:p>
+            <a:pPr algn="ctr"/>
+            <a:r>
+              <a:rPr lang="en-US" altLang="ko-KR" sz="1400"/>
+              <a:t>Binding Key </a:t>
+            </a:r>
+          </a:p>
+          <a:p>
+            <a:pPr algn="ctr"/>
+            <a:r>
+              <a:rPr lang="en-US" altLang="ko-KR" sz="1400"/>
+              <a:t>- ssup2.h#</a:t>
+            </a:r>
+          </a:p>
+        </p:txBody>
+      </p:sp>
+      <p:cxnSp>
+        <p:nvCxnSpPr>
+          <p:cNvPr id="21" name="직선 화살표 연결선 20"/>
+          <p:cNvCxnSpPr>
+            <a:cxnSpLocks/>
+            <a:stCxn id="11" idx="3"/>
+            <a:endCxn id="14" idx="1"/>
+          </p:cNvCxnSpPr>
+          <p:nvPr/>
+        </p:nvCxnSpPr>
+        <p:spPr>
+          <a:xfrm>
+            <a:off x="3419872" y="2711454"/>
+            <a:ext cx="1584176" cy="1273149"/>
+          </a:xfrm>
+          <a:prstGeom prst="straightConnector1">
+            <a:avLst/>
+          </a:prstGeom>
+          <a:ln w="28575">
+            <a:tailEnd type="arrow"/>
+          </a:ln>
+        </p:spPr>
+        <p:style>
+          <a:lnRef idx="1">
+            <a:schemeClr val="dk1"/>
+          </a:lnRef>
+          <a:fillRef idx="0">
+            <a:schemeClr val="dk1"/>
+          </a:fillRef>
+          <a:effectRef idx="0">
+            <a:schemeClr val="dk1"/>
+          </a:effectRef>
+          <a:fontRef idx="minor">
+            <a:schemeClr val="tx1"/>
+          </a:fontRef>
+        </p:style>
+      </p:cxnSp>
+      <p:cxnSp>
+        <p:nvCxnSpPr>
+          <p:cNvPr id="29" name="직선 화살표 연결선 28"/>
+          <p:cNvCxnSpPr>
+            <a:cxnSpLocks/>
+            <a:stCxn id="11" idx="3"/>
+            <a:endCxn id="15" idx="1"/>
+          </p:cNvCxnSpPr>
+          <p:nvPr/>
+        </p:nvCxnSpPr>
+        <p:spPr>
+          <a:xfrm flipV="1">
+            <a:off x="3419872" y="1388765"/>
+            <a:ext cx="1584176" cy="1322689"/>
+          </a:xfrm>
+          <a:prstGeom prst="straightConnector1">
+            <a:avLst/>
+          </a:prstGeom>
+          <a:ln w="28575">
+            <a:tailEnd type="arrow"/>
+          </a:ln>
+        </p:spPr>
+        <p:style>
+          <a:lnRef idx="1">
+            <a:schemeClr val="dk1"/>
+          </a:lnRef>
+          <a:fillRef idx="0">
+            <a:schemeClr val="dk1"/>
+          </a:fillRef>
+          <a:effectRef idx="0">
+            <a:schemeClr val="dk1"/>
+          </a:effectRef>
+          <a:fontRef idx="minor">
+            <a:schemeClr val="tx1"/>
+          </a:fontRef>
+        </p:style>
+      </p:cxnSp>
+      <p:sp>
+        <p:nvSpPr>
+          <p:cNvPr id="36" name="모서리가 둥근 직사각형 35"/>
+          <p:cNvSpPr/>
+          <p:nvPr/>
+        </p:nvSpPr>
+        <p:spPr>
+          <a:xfrm>
+            <a:off x="5004048" y="2202190"/>
+            <a:ext cx="1983046" cy="1018528"/>
+          </a:xfrm>
+          <a:prstGeom prst="roundRect">
+            <a:avLst/>
+          </a:prstGeom>
+        </p:spPr>
+        <p:style>
+          <a:lnRef idx="2">
+            <a:schemeClr val="dk1"/>
+          </a:lnRef>
+          <a:fillRef idx="1">
+            <a:schemeClr val="lt1"/>
+          </a:fillRef>
+          <a:effectRef idx="0">
+            <a:schemeClr val="dk1"/>
+          </a:effectRef>
+          <a:fontRef idx="minor">
+            <a:schemeClr val="dk1"/>
+          </a:fontRef>
+        </p:style>
+        <p:txBody>
+          <a:bodyPr rtlCol="0" anchor="ctr"/>
+          <a:lstStyle/>
+          <a:p>
+            <a:pPr algn="ctr"/>
+            <a:r>
+              <a:rPr lang="en-US" altLang="ko-KR" sz="1600" b="1"/>
+              <a:t>Queue B</a:t>
+            </a:r>
+          </a:p>
+          <a:p>
+            <a:pPr algn="ctr"/>
+            <a:r>
+              <a:rPr lang="en-US" altLang="ko-KR" sz="1400"/>
+              <a:t>Binding Key </a:t>
+            </a:r>
+          </a:p>
+          <a:p>
+            <a:pPr algn="ctr"/>
+            <a:r>
+              <a:rPr lang="en-US" altLang="ko-KR" sz="1400"/>
+              <a:t>- ssup2.mai*</a:t>
+            </a:r>
+            <a:endParaRPr lang="ko-KR" altLang="en-US" sz="1400" dirty="0"/>
+          </a:p>
+        </p:txBody>
+      </p:sp>
+      <p:cxnSp>
+        <p:nvCxnSpPr>
+          <p:cNvPr id="39" name="직선 화살표 연결선 38"/>
+          <p:cNvCxnSpPr>
+            <a:cxnSpLocks/>
+            <a:stCxn id="11" idx="3"/>
+            <a:endCxn id="36" idx="1"/>
+          </p:cNvCxnSpPr>
+          <p:nvPr/>
+        </p:nvCxnSpPr>
+        <p:spPr>
+          <a:xfrm>
+            <a:off x="3419872" y="2711454"/>
+            <a:ext cx="1584176" cy="0"/>
+          </a:xfrm>
+          <a:prstGeom prst="straightConnector1">
+            <a:avLst/>
+          </a:prstGeom>
+          <a:ln w="28575">
+            <a:tailEnd type="arrow"/>
+          </a:ln>
+        </p:spPr>
+        <p:style>
+          <a:lnRef idx="1">
+            <a:schemeClr val="dk1"/>
+          </a:lnRef>
+          <a:fillRef idx="0">
+            <a:schemeClr val="dk1"/>
+          </a:fillRef>
+          <a:effectRef idx="0">
+            <a:schemeClr val="dk1"/>
+          </a:effectRef>
+          <a:fontRef idx="minor">
+            <a:schemeClr val="tx1"/>
+          </a:fontRef>
+        </p:style>
+      </p:cxnSp>
+      <p:sp>
+        <p:nvSpPr>
+          <p:cNvPr id="31" name="TextBox 30">
+            <a:extLst>
+              <a:ext uri="{FF2B5EF4-FFF2-40B4-BE49-F238E27FC236}">
+                <a16:creationId xmlns:a16="http://schemas.microsoft.com/office/drawing/2014/main" id="{A3A5144F-1AFF-45EB-A16D-1E16C45EEC20}"/>
+              </a:ext>
+            </a:extLst>
+          </p:cNvPr>
+          <p:cNvSpPr txBox="1"/>
+          <p:nvPr/>
+        </p:nvSpPr>
+        <p:spPr>
+          <a:xfrm>
+            <a:off x="3347864" y="2202559"/>
+            <a:ext cx="2088232" cy="523220"/>
+          </a:xfrm>
+          <a:prstGeom prst="rect">
+            <a:avLst/>
+          </a:prstGeom>
+          <a:noFill/>
+        </p:spPr>
+        <p:txBody>
+          <a:bodyPr wrap="square" rtlCol="0">
+            <a:spAutoFit/>
+          </a:bodyPr>
+          <a:lstStyle/>
+          <a:p>
+            <a:pPr algn="ctr"/>
+            <a:r>
+              <a:rPr lang="en-US" altLang="ko-KR" sz="1400"/>
+              <a:t>Routing Key</a:t>
+            </a:r>
+          </a:p>
+          <a:p>
+            <a:pPr algn="ctr"/>
+            <a:r>
+              <a:rPr lang="en-US" altLang="ko-KR" sz="1400"/>
+              <a:t> - ssup2.main</a:t>
+            </a:r>
+            <a:endParaRPr lang="ko-KR" altLang="en-US" sz="1400" dirty="0"/>
+          </a:p>
+        </p:txBody>
+      </p:sp>
+      <p:sp>
+        <p:nvSpPr>
+          <p:cNvPr id="51" name="TextBox 50">
+            <a:extLst>
+              <a:ext uri="{FF2B5EF4-FFF2-40B4-BE49-F238E27FC236}">
+                <a16:creationId xmlns:a16="http://schemas.microsoft.com/office/drawing/2014/main" id="{B9361916-2D04-437B-BA89-1B097E752142}"/>
+              </a:ext>
+            </a:extLst>
+          </p:cNvPr>
+          <p:cNvSpPr txBox="1"/>
+          <p:nvPr/>
+        </p:nvSpPr>
+        <p:spPr>
+          <a:xfrm>
+            <a:off x="2555776" y="3435846"/>
+            <a:ext cx="2611518" cy="738664"/>
+          </a:xfrm>
+          <a:prstGeom prst="rect">
+            <a:avLst/>
+          </a:prstGeom>
+          <a:noFill/>
+        </p:spPr>
+        <p:txBody>
+          <a:bodyPr wrap="square" rtlCol="0">
+            <a:spAutoFit/>
+          </a:bodyPr>
+          <a:lstStyle/>
+          <a:p>
+            <a:pPr algn="ctr"/>
+            <a:r>
+              <a:rPr lang="en-US" altLang="ko-KR" sz="1400"/>
+              <a:t>Routing Key </a:t>
+            </a:r>
+          </a:p>
+          <a:p>
+            <a:pPr algn="ctr"/>
+            <a:r>
+              <a:rPr lang="en-US" altLang="ko-KR" sz="1400"/>
+              <a:t>- ssup2.main</a:t>
+            </a:r>
+          </a:p>
+          <a:p>
+            <a:pPr algn="ctr"/>
+            <a:r>
+              <a:rPr lang="en-US" altLang="ko-KR" sz="1400"/>
+              <a:t>- ssup2.category</a:t>
+            </a:r>
+          </a:p>
+        </p:txBody>
+      </p:sp>
+      <p:sp>
+        <p:nvSpPr>
+          <p:cNvPr id="52" name="TextBox 51">
+            <a:extLst>
+              <a:ext uri="{FF2B5EF4-FFF2-40B4-BE49-F238E27FC236}">
+                <a16:creationId xmlns:a16="http://schemas.microsoft.com/office/drawing/2014/main" id="{859E9466-942F-45D5-9CE9-1BC6C7A3489F}"/>
+              </a:ext>
+            </a:extLst>
+          </p:cNvPr>
+          <p:cNvSpPr txBox="1"/>
+          <p:nvPr/>
+        </p:nvSpPr>
+        <p:spPr>
+          <a:xfrm>
+            <a:off x="2915816" y="1347614"/>
+            <a:ext cx="1983046" cy="523220"/>
+          </a:xfrm>
+          <a:prstGeom prst="rect">
+            <a:avLst/>
+          </a:prstGeom>
+          <a:noFill/>
+        </p:spPr>
+        <p:txBody>
+          <a:bodyPr wrap="square" rtlCol="0">
+            <a:spAutoFit/>
+          </a:bodyPr>
+          <a:lstStyle/>
+          <a:p>
+            <a:pPr algn="ctr"/>
+            <a:r>
+              <a:rPr lang="en-US" altLang="ko-KR" sz="1400"/>
+              <a:t>Routing Key </a:t>
+            </a:r>
+          </a:p>
+          <a:p>
+            <a:pPr algn="ctr"/>
+            <a:r>
+              <a:rPr lang="en-US" altLang="ko-KR" sz="1400"/>
+              <a:t>- ssup2.home</a:t>
+            </a:r>
+          </a:p>
+        </p:txBody>
+      </p:sp>
+    </p:spTree>
+    <p:extLst>
+      <p:ext uri="{BB962C8B-B14F-4D97-AF65-F5344CB8AC3E}">
+        <p14:creationId xmlns:p14="http://schemas.microsoft.com/office/powerpoint/2010/main" val="1000764539"/>
+      </p:ext>
+    </p:extLst>
+  </p:cSld>
+  <p:clrMapOvr>
+    <a:masterClrMapping/>
+  </p:clrMapOvr>
+</p:sld>
+</file>
+
+<file path=ppt/slides/slide5.xml><?xml version="1.0" encoding="utf-8"?>
+<p:sld xmlns:a="http://schemas.openxmlformats.org/drawingml/2006/main" xmlns:r="http://schemas.openxmlformats.org/officeDocument/2006/relationships" xmlns:p="http://schemas.openxmlformats.org/presentationml/2006/main">
+  <p:cSld>
+    <p:spTree>
+      <p:nvGrpSpPr>
+        <p:cNvPr id="1" name=""/>
+        <p:cNvGrpSpPr/>
+        <p:nvPr/>
+      </p:nvGrpSpPr>
+      <p:grpSpPr>
+        <a:xfrm>
+          <a:off x="0" y="0"/>
+          <a:ext cx="0" cy="0"/>
+          <a:chOff x="0" y="0"/>
+          <a:chExt cx="0" cy="0"/>
+        </a:xfrm>
+      </p:grpSpPr>
+      <p:sp>
+        <p:nvSpPr>
+          <p:cNvPr id="6" name="제목 1"/>
+          <p:cNvSpPr>
+            <a:spLocks noGrp="1"/>
+          </p:cNvSpPr>
+          <p:nvPr>
+            <p:ph type="title"/>
+          </p:nvPr>
+        </p:nvSpPr>
+        <p:spPr>
+          <a:xfrm>
+            <a:off x="457200" y="-20538"/>
+            <a:ext cx="8229600" cy="857250"/>
+          </a:xfrm>
+        </p:spPr>
+        <p:txBody>
+          <a:bodyPr>
+            <a:normAutofit/>
+          </a:bodyPr>
+          <a:lstStyle/>
+          <a:p>
+            <a:r>
+              <a:rPr lang="en-US" altLang="ko-KR"/>
+              <a:t>AMQP Headers Exchange</a:t>
+            </a:r>
+            <a:endParaRPr lang="ko-KR" altLang="en-US" dirty="0"/>
+          </a:p>
+        </p:txBody>
+      </p:sp>
+      <p:sp>
+        <p:nvSpPr>
+          <p:cNvPr id="11" name="모서리가 둥근 직사각형 10"/>
+          <p:cNvSpPr/>
+          <p:nvPr/>
+        </p:nvSpPr>
+        <p:spPr>
+          <a:xfrm>
+            <a:off x="1835696" y="2392599"/>
+            <a:ext cx="1584176" cy="637710"/>
+          </a:xfrm>
+          <a:prstGeom prst="roundRect">
+            <a:avLst/>
+          </a:prstGeom>
+        </p:spPr>
+        <p:style>
+          <a:lnRef idx="2">
+            <a:schemeClr val="dk1"/>
+          </a:lnRef>
+          <a:fillRef idx="1">
+            <a:schemeClr val="lt1"/>
+          </a:fillRef>
+          <a:effectRef idx="0">
+            <a:schemeClr val="dk1"/>
+          </a:effectRef>
+          <a:fontRef idx="minor">
+            <a:schemeClr val="dk1"/>
+          </a:fontRef>
+        </p:style>
+        <p:txBody>
+          <a:bodyPr rtlCol="0" anchor="ctr"/>
+          <a:lstStyle/>
+          <a:p>
+            <a:pPr algn="ctr"/>
+            <a:r>
+              <a:rPr lang="en-US" altLang="ko-KR" sz="1600" b="1"/>
+              <a:t>Exchange A</a:t>
+            </a:r>
+          </a:p>
+          <a:p>
+            <a:pPr algn="ctr"/>
+            <a:r>
+              <a:rPr lang="en-US" altLang="ko-KR" sz="1400"/>
+              <a:t>Headers Type</a:t>
+            </a:r>
+            <a:endParaRPr lang="ko-KR" altLang="en-US" sz="1400" dirty="0"/>
+          </a:p>
+        </p:txBody>
+      </p:sp>
+      <p:sp>
+        <p:nvSpPr>
+          <p:cNvPr id="14" name="모서리가 둥근 직사각형 13"/>
+          <p:cNvSpPr/>
+          <p:nvPr/>
+        </p:nvSpPr>
+        <p:spPr>
+          <a:xfrm>
+            <a:off x="5004048" y="3475339"/>
+            <a:ext cx="2664296" cy="1018528"/>
+          </a:xfrm>
+          <a:prstGeom prst="roundRect">
+            <a:avLst/>
+          </a:prstGeom>
+        </p:spPr>
+        <p:style>
+          <a:lnRef idx="2">
+            <a:schemeClr val="dk1"/>
+          </a:lnRef>
+          <a:fillRef idx="1">
+            <a:schemeClr val="lt1"/>
+          </a:fillRef>
+          <a:effectRef idx="0">
+            <a:schemeClr val="dk1"/>
+          </a:effectRef>
+          <a:fontRef idx="minor">
+            <a:schemeClr val="dk1"/>
+          </a:fontRef>
+        </p:style>
+        <p:txBody>
+          <a:bodyPr rtlCol="0" anchor="ctr"/>
+          <a:lstStyle/>
+          <a:p>
+            <a:pPr algn="ctr"/>
+            <a:r>
+              <a:rPr lang="en-US" altLang="ko-KR" sz="1600" b="1"/>
+              <a:t>Exchange B</a:t>
+            </a:r>
+          </a:p>
+          <a:p>
+            <a:pPr algn="ctr"/>
+            <a:r>
+              <a:rPr lang="en-US" altLang="ko-KR" sz="1400"/>
+              <a:t>Binding Header </a:t>
+            </a:r>
+          </a:p>
+          <a:p>
+            <a:pPr algn="ctr"/>
+            <a:r>
+              <a:rPr lang="en-US" altLang="ko-KR" sz="1400"/>
+              <a:t>- x-match:any / key4:value4</a:t>
+            </a:r>
+          </a:p>
+          <a:p>
+            <a:pPr algn="ctr"/>
+            <a:r>
+              <a:rPr lang="en-US" altLang="ko-KR" sz="1400"/>
+              <a:t>- x-match:all / key5:value5</a:t>
+            </a:r>
+          </a:p>
+        </p:txBody>
+      </p:sp>
+      <p:sp>
+        <p:nvSpPr>
+          <p:cNvPr id="15" name="모서리가 둥근 직사각형 14"/>
+          <p:cNvSpPr/>
+          <p:nvPr/>
+        </p:nvSpPr>
+        <p:spPr>
+          <a:xfrm>
+            <a:off x="5004048" y="879501"/>
+            <a:ext cx="2664296" cy="1018528"/>
+          </a:xfrm>
+          <a:prstGeom prst="roundRect">
+            <a:avLst/>
+          </a:prstGeom>
+        </p:spPr>
+        <p:style>
+          <a:lnRef idx="2">
+            <a:schemeClr val="dk1"/>
+          </a:lnRef>
+          <a:fillRef idx="1">
+            <a:schemeClr val="lt1"/>
+          </a:fillRef>
+          <a:effectRef idx="0">
+            <a:schemeClr val="dk1"/>
+          </a:effectRef>
+          <a:fontRef idx="minor">
+            <a:schemeClr val="dk1"/>
+          </a:fontRef>
+        </p:style>
+        <p:txBody>
+          <a:bodyPr rtlCol="0" anchor="ctr"/>
+          <a:lstStyle/>
+          <a:p>
+            <a:pPr algn="ctr"/>
+            <a:r>
+              <a:rPr lang="en-US" altLang="ko-KR" sz="1600" b="1"/>
+              <a:t>Queue A</a:t>
+            </a:r>
+          </a:p>
+          <a:p>
+            <a:pPr algn="ctr"/>
+            <a:r>
+              <a:rPr lang="en-US" altLang="ko-KR" sz="1400"/>
+              <a:t>Binding Header </a:t>
+            </a:r>
+          </a:p>
+          <a:p>
+            <a:pPr algn="ctr"/>
+            <a:r>
+              <a:rPr lang="en-US" altLang="ko-KR" sz="1400"/>
+              <a:t>- x-match:all / key1:value1 / key2:value2</a:t>
+            </a:r>
+          </a:p>
+        </p:txBody>
+      </p:sp>
+      <p:cxnSp>
+        <p:nvCxnSpPr>
+          <p:cNvPr id="21" name="직선 화살표 연결선 20"/>
+          <p:cNvCxnSpPr>
+            <a:cxnSpLocks/>
+            <a:stCxn id="11" idx="3"/>
+            <a:endCxn id="14" idx="1"/>
+          </p:cNvCxnSpPr>
+          <p:nvPr/>
+        </p:nvCxnSpPr>
+        <p:spPr>
+          <a:xfrm>
+            <a:off x="3419872" y="2711454"/>
+            <a:ext cx="1584176" cy="1273149"/>
+          </a:xfrm>
+          <a:prstGeom prst="straightConnector1">
+            <a:avLst/>
+          </a:prstGeom>
+          <a:ln w="28575">
+            <a:tailEnd type="arrow"/>
+          </a:ln>
+        </p:spPr>
+        <p:style>
+          <a:lnRef idx="1">
+            <a:schemeClr val="dk1"/>
+          </a:lnRef>
+          <a:fillRef idx="0">
+            <a:schemeClr val="dk1"/>
+          </a:fillRef>
+          <a:effectRef idx="0">
+            <a:schemeClr val="dk1"/>
+          </a:effectRef>
+          <a:fontRef idx="minor">
+            <a:schemeClr val="tx1"/>
+          </a:fontRef>
+        </p:style>
+      </p:cxnSp>
+      <p:cxnSp>
+        <p:nvCxnSpPr>
+          <p:cNvPr id="29" name="직선 화살표 연결선 28"/>
+          <p:cNvCxnSpPr>
+            <a:cxnSpLocks/>
+            <a:stCxn id="11" idx="3"/>
+            <a:endCxn id="15" idx="1"/>
+          </p:cNvCxnSpPr>
+          <p:nvPr/>
+        </p:nvCxnSpPr>
+        <p:spPr>
+          <a:xfrm flipV="1">
+            <a:off x="3419872" y="1388765"/>
+            <a:ext cx="1584176" cy="1322689"/>
+          </a:xfrm>
+          <a:prstGeom prst="straightConnector1">
+            <a:avLst/>
+          </a:prstGeom>
+          <a:ln w="28575">
+            <a:tailEnd type="arrow"/>
+          </a:ln>
+        </p:spPr>
+        <p:style>
+          <a:lnRef idx="1">
+            <a:schemeClr val="dk1"/>
+          </a:lnRef>
+          <a:fillRef idx="0">
+            <a:schemeClr val="dk1"/>
+          </a:fillRef>
+          <a:effectRef idx="0">
+            <a:schemeClr val="dk1"/>
+          </a:effectRef>
+          <a:fontRef idx="minor">
+            <a:schemeClr val="tx1"/>
+          </a:fontRef>
+        </p:style>
+      </p:cxnSp>
+      <p:sp>
+        <p:nvSpPr>
+          <p:cNvPr id="36" name="모서리가 둥근 직사각형 35"/>
+          <p:cNvSpPr/>
+          <p:nvPr/>
+        </p:nvSpPr>
+        <p:spPr>
+          <a:xfrm>
+            <a:off x="5004048" y="2202190"/>
+            <a:ext cx="2664296" cy="1018528"/>
+          </a:xfrm>
+          <a:prstGeom prst="roundRect">
+            <a:avLst/>
+          </a:prstGeom>
+        </p:spPr>
+        <p:style>
+          <a:lnRef idx="2">
+            <a:schemeClr val="dk1"/>
+          </a:lnRef>
+          <a:fillRef idx="1">
+            <a:schemeClr val="lt1"/>
+          </a:fillRef>
+          <a:effectRef idx="0">
+            <a:schemeClr val="dk1"/>
+          </a:effectRef>
+          <a:fontRef idx="minor">
+            <a:schemeClr val="dk1"/>
+          </a:fontRef>
+        </p:style>
+        <p:txBody>
+          <a:bodyPr rtlCol="0" anchor="ctr"/>
+          <a:lstStyle/>
+          <a:p>
+            <a:pPr algn="ctr"/>
+            <a:r>
+              <a:rPr lang="en-US" altLang="ko-KR" sz="1600" b="1"/>
+              <a:t>Queue B</a:t>
+            </a:r>
+          </a:p>
+          <a:p>
+            <a:pPr algn="ctr"/>
+            <a:r>
+              <a:rPr lang="en-US" altLang="ko-KR" sz="1400"/>
+              <a:t>Binding Header </a:t>
+            </a:r>
+            <a:endParaRPr lang="en-US" altLang="ko-KR" sz="1400" b="1"/>
+          </a:p>
+          <a:p>
+            <a:pPr algn="ctr"/>
+            <a:r>
+              <a:rPr lang="en-US" altLang="ko-KR" sz="1400"/>
+              <a:t>- x-match:any / key2:value2 / key3:value3</a:t>
+            </a:r>
+          </a:p>
+        </p:txBody>
+      </p:sp>
+      <p:cxnSp>
+        <p:nvCxnSpPr>
+          <p:cNvPr id="39" name="직선 화살표 연결선 38"/>
+          <p:cNvCxnSpPr>
+            <a:cxnSpLocks/>
+            <a:stCxn id="11" idx="3"/>
+            <a:endCxn id="36" idx="1"/>
+          </p:cNvCxnSpPr>
+          <p:nvPr/>
+        </p:nvCxnSpPr>
+        <p:spPr>
+          <a:xfrm>
+            <a:off x="3419872" y="2711454"/>
+            <a:ext cx="1584176" cy="0"/>
+          </a:xfrm>
+          <a:prstGeom prst="straightConnector1">
+            <a:avLst/>
+          </a:prstGeom>
+          <a:ln w="28575">
+            <a:tailEnd type="arrow"/>
+          </a:ln>
+        </p:spPr>
+        <p:style>
+          <a:lnRef idx="1">
+            <a:schemeClr val="dk1"/>
+          </a:lnRef>
+          <a:fillRef idx="0">
+            <a:schemeClr val="dk1"/>
+          </a:fillRef>
+          <a:effectRef idx="0">
+            <a:schemeClr val="dk1"/>
+          </a:effectRef>
+          <a:fontRef idx="minor">
+            <a:schemeClr val="tx1"/>
+          </a:fontRef>
+        </p:style>
+      </p:cxnSp>
+      <p:sp>
+        <p:nvSpPr>
+          <p:cNvPr id="51" name="TextBox 50">
+            <a:extLst>
+              <a:ext uri="{FF2B5EF4-FFF2-40B4-BE49-F238E27FC236}">
+                <a16:creationId xmlns:a16="http://schemas.microsoft.com/office/drawing/2014/main" id="{B9361916-2D04-437B-BA89-1B097E752142}"/>
+              </a:ext>
+            </a:extLst>
+          </p:cNvPr>
+          <p:cNvSpPr txBox="1"/>
+          <p:nvPr/>
+        </p:nvSpPr>
+        <p:spPr>
+          <a:xfrm>
+            <a:off x="2483768" y="3435846"/>
+            <a:ext cx="2611518" cy="738664"/>
+          </a:xfrm>
+          <a:prstGeom prst="rect">
+            <a:avLst/>
+          </a:prstGeom>
+          <a:noFill/>
+        </p:spPr>
+        <p:txBody>
+          <a:bodyPr wrap="square" rtlCol="0">
+            <a:spAutoFit/>
+          </a:bodyPr>
+          <a:lstStyle/>
+          <a:p>
+            <a:pPr algn="ctr"/>
+            <a:r>
+              <a:rPr lang="en-US" altLang="ko-KR" sz="1400"/>
+              <a:t>Routing Header</a:t>
+            </a:r>
+          </a:p>
+          <a:p>
+            <a:pPr algn="ctr"/>
+            <a:r>
+              <a:rPr lang="en-US" altLang="ko-KR" sz="1400"/>
+              <a:t>- key4:value4</a:t>
+            </a:r>
+          </a:p>
+          <a:p>
+            <a:pPr algn="ctr"/>
+            <a:r>
+              <a:rPr lang="en-US" altLang="ko-KR" sz="1400"/>
+              <a:t>- key5:value5</a:t>
+            </a:r>
+          </a:p>
+        </p:txBody>
+      </p:sp>
+      <p:sp>
+        <p:nvSpPr>
+          <p:cNvPr id="52" name="TextBox 51">
+            <a:extLst>
+              <a:ext uri="{FF2B5EF4-FFF2-40B4-BE49-F238E27FC236}">
+                <a16:creationId xmlns:a16="http://schemas.microsoft.com/office/drawing/2014/main" id="{859E9466-942F-45D5-9CE9-1BC6C7A3489F}"/>
+              </a:ext>
+            </a:extLst>
+          </p:cNvPr>
+          <p:cNvSpPr txBox="1"/>
+          <p:nvPr/>
+        </p:nvSpPr>
+        <p:spPr>
+          <a:xfrm>
+            <a:off x="2843808" y="1275606"/>
+            <a:ext cx="1983046" cy="738664"/>
+          </a:xfrm>
+          <a:prstGeom prst="rect">
+            <a:avLst/>
+          </a:prstGeom>
+          <a:noFill/>
+        </p:spPr>
+        <p:txBody>
+          <a:bodyPr wrap="square" rtlCol="0">
+            <a:spAutoFit/>
+          </a:bodyPr>
+          <a:lstStyle/>
+          <a:p>
+            <a:pPr algn="ctr"/>
+            <a:r>
+              <a:rPr lang="en-US" altLang="ko-KR" sz="1400"/>
+              <a:t>Routing Header</a:t>
+            </a:r>
+          </a:p>
+          <a:p>
+            <a:pPr algn="ctr"/>
+            <a:r>
+              <a:rPr lang="en-US" altLang="ko-KR" sz="1400"/>
+              <a:t>- key1:value1 / key2:value2</a:t>
+            </a:r>
+          </a:p>
+        </p:txBody>
+      </p:sp>
+      <p:sp>
+        <p:nvSpPr>
+          <p:cNvPr id="23" name="TextBox 22">
+            <a:extLst>
+              <a:ext uri="{FF2B5EF4-FFF2-40B4-BE49-F238E27FC236}">
+                <a16:creationId xmlns:a16="http://schemas.microsoft.com/office/drawing/2014/main" id="{78D3F62F-20BD-4EF0-885F-6A15E30E867E}"/>
+              </a:ext>
+            </a:extLst>
+          </p:cNvPr>
+          <p:cNvSpPr txBox="1"/>
+          <p:nvPr/>
+        </p:nvSpPr>
+        <p:spPr>
+          <a:xfrm>
+            <a:off x="3275856" y="2232675"/>
+            <a:ext cx="1983046" cy="738664"/>
+          </a:xfrm>
+          <a:prstGeom prst="rect">
+            <a:avLst/>
+          </a:prstGeom>
+          <a:noFill/>
+        </p:spPr>
+        <p:txBody>
+          <a:bodyPr wrap="square" rtlCol="0">
+            <a:spAutoFit/>
+          </a:bodyPr>
+          <a:lstStyle/>
+          <a:p>
+            <a:pPr algn="ctr"/>
+            <a:r>
+              <a:rPr lang="en-US" altLang="ko-KR" sz="1400"/>
+              <a:t>Routing Header</a:t>
+            </a:r>
+          </a:p>
+          <a:p>
+            <a:pPr algn="ctr"/>
+            <a:r>
+              <a:rPr lang="en-US" altLang="ko-KR" sz="1400"/>
+              <a:t>- key1:value1 / key2:value2</a:t>
+            </a:r>
+          </a:p>
+        </p:txBody>
+      </p:sp>
+    </p:spTree>
+    <p:extLst>
+      <p:ext uri="{BB962C8B-B14F-4D97-AF65-F5344CB8AC3E}">
+        <p14:creationId xmlns:p14="http://schemas.microsoft.com/office/powerpoint/2010/main" val="1181773453"/>
       </p:ext>
     </p:extLst>
   </p:cSld>
